--- a/New Microsoft PowerPoint Presentation_de.pptx
+++ b/New Microsoft PowerPoint Presentation_de.pptx
@@ -2985,7 +2985,7 @@
                   <a:srgbClr val="000000"/>
                 </a:solidFill>
               </a:rPr>
-              <a:t>Máãx 2</a:t>
+              <a:t>Mäæx 2</a:t>
             </a:r>
           </a:p>
         </p:txBody>
@@ -3011,7 +3011,7 @@
                   <a:srgbClr val="000000"/>
                 </a:solidFill>
               </a:rPr>
-              <a:t>dóöc</a:t>
+              <a:t>dòôc</a:t>
             </a:r>
           </a:p>
         </p:txBody>

--- a/New Microsoft PowerPoint Presentation_de.pptx
+++ b/New Microsoft PowerPoint Presentation_de.pptx
@@ -2985,7 +2985,7 @@
                   <a:srgbClr val="000000"/>
                 </a:solidFill>
               </a:rPr>
-              <a:t>Mäæx 2</a:t>
+              <a:t>Mààx 2</a:t>
             </a:r>
           </a:p>
         </p:txBody>
@@ -3011,7 +3011,7 @@
                   <a:srgbClr val="000000"/>
                 </a:solidFill>
               </a:rPr>
-              <a:t>dòôc</a:t>
+              <a:t>dóòc</a:t>
             </a:r>
           </a:p>
         </p:txBody>

--- a/New Microsoft PowerPoint Presentation_de.pptx
+++ b/New Microsoft PowerPoint Presentation_de.pptx
@@ -2985,7 +2985,7 @@
                   <a:srgbClr val="000000"/>
                 </a:solidFill>
               </a:rPr>
-              <a:t>Mààx 2</a:t>
+              <a:t>Måæx 2</a:t>
             </a:r>
           </a:p>
         </p:txBody>
@@ -3011,7 +3011,7 @@
                   <a:srgbClr val="000000"/>
                 </a:solidFill>
               </a:rPr>
-              <a:t>dóòc</a:t>
+              <a:t>dôòc</a:t>
             </a:r>
           </a:p>
         </p:txBody>

--- a/New Microsoft PowerPoint Presentation_de.pptx
+++ b/New Microsoft PowerPoint Presentation_de.pptx
@@ -2989,7 +2989,7 @@
                 <a:uFillTx/>
                 <a:latin typeface="Calibri Light"/>
               </a:rPr>
-              <a:t>téëst</a:t>
+              <a:t>tèëst</a:t>
             </a:r>
           </a:p>
         </p:txBody>
@@ -3017,7 +3017,7 @@
                 <a:uFillTx/>
                 <a:latin typeface="Calibri"/>
               </a:rPr>
-              <a:t>dæàtæà</a:t>
+              <a:t>dáâtáâ</a:t>
             </a:r>
           </a:p>
         </p:txBody>

--- a/New Microsoft PowerPoint Presentation_de.pptx
+++ b/New Microsoft PowerPoint Presentation_de.pptx
@@ -2989,7 +2989,7 @@
                 <a:uFillTx/>
                 <a:latin typeface="Calibri Light"/>
               </a:rPr>
-              <a:t>tèëst</a:t>
+              <a:t>tèêst</a:t>
             </a:r>
           </a:p>
         </p:txBody>
@@ -3017,7 +3017,7 @@
                 <a:uFillTx/>
                 <a:latin typeface="Calibri"/>
               </a:rPr>
-              <a:t>dáâtáâ</a:t>
+              <a:t>dåâtåâ</a:t>
             </a:r>
           </a:p>
         </p:txBody>
